--- a/document/presentation/DAT111 - nhom4.pptx
+++ b/document/presentation/DAT111 - nhom4.pptx
@@ -7,7 +7,7 @@
     <p:sldMasterId id="2147483700" r:id="rId3"/>
   </p:sldMasterIdLst>
   <p:notesMasterIdLst>
-    <p:notesMasterId r:id="rId34"/>
+    <p:notesMasterId r:id="rId35"/>
   </p:notesMasterIdLst>
   <p:sldIdLst>
     <p:sldId id="260" r:id="rId4"/>
@@ -35,11 +35,12 @@
     <p:sldId id="752" r:id="rId26"/>
     <p:sldId id="753" r:id="rId27"/>
     <p:sldId id="754" r:id="rId28"/>
-    <p:sldId id="755" r:id="rId29"/>
-    <p:sldId id="756" r:id="rId30"/>
-    <p:sldId id="743" r:id="rId31"/>
-    <p:sldId id="758" r:id="rId32"/>
-    <p:sldId id="757" r:id="rId33"/>
+    <p:sldId id="763" r:id="rId29"/>
+    <p:sldId id="755" r:id="rId30"/>
+    <p:sldId id="756" r:id="rId31"/>
+    <p:sldId id="743" r:id="rId32"/>
+    <p:sldId id="758" r:id="rId33"/>
+    <p:sldId id="757" r:id="rId34"/>
   </p:sldIdLst>
   <p:sldSz cx="12192000" cy="6858000"/>
   <p:notesSz cx="6858000" cy="9144000"/>
@@ -172,6 +173,7 @@
         <p14:section name="Mục chưa có tên" id="{965ADAC3-96DE-4B70-BEF4-901A4341B931}">
           <p14:sldIdLst>
             <p14:sldId id="754"/>
+            <p14:sldId id="763"/>
             <p14:sldId id="755"/>
             <p14:sldId id="756"/>
             <p14:sldId id="743"/>
@@ -307,7 +309,7 @@
             <a:fld id="{DBE60FC1-C18A-41E1-B5B3-73A5F51CC4CD}" type="datetimeFigureOut">
               <a:rPr lang="en-US" smtClean="0"/>
               <a:pPr/>
-              <a:t>12/1/2025</a:t>
+              <a:t>12/3/2025</a:t>
             </a:fld>
             <a:endParaRPr lang="en-US"/>
           </a:p>
@@ -1049,7 +1051,7 @@
           <a:p>
             <a:fld id="{712CF842-59AF-427C-ACBC-D36D24E0CB1B}" type="datetime1">
               <a:rPr lang="en-US" smtClean="0"/>
-              <a:t>12/1/2025</a:t>
+              <a:t>12/3/2025</a:t>
             </a:fld>
             <a:endParaRPr lang="en-US"/>
           </a:p>
@@ -1242,7 +1244,7 @@
           <a:p>
             <a:fld id="{538A41B8-5FEA-4CA2-B7CF-78A09B3BA538}" type="datetime1">
               <a:rPr lang="en-US" smtClean="0"/>
-              <a:t>12/1/2025</a:t>
+              <a:t>12/3/2025</a:t>
             </a:fld>
             <a:endParaRPr lang="en-US"/>
           </a:p>
@@ -2631,7 +2633,7 @@
           <a:p>
             <a:fld id="{B7DD2193-23DB-41F7-8BF6-4C300FD984A6}" type="datetime1">
               <a:rPr lang="en-US" smtClean="0"/>
-              <a:t>12/1/2025</a:t>
+              <a:t>12/3/2025</a:t>
             </a:fld>
             <a:endParaRPr lang="en-US"/>
           </a:p>
@@ -2956,7 +2958,7 @@
           <a:p>
             <a:fld id="{FEF87700-9881-4068-A618-B0854BF98A29}" type="datetime1">
               <a:rPr lang="en-US" smtClean="0"/>
-              <a:t>12/1/2025</a:t>
+              <a:t>12/3/2025</a:t>
             </a:fld>
             <a:endParaRPr lang="en-US"/>
           </a:p>
@@ -3256,7 +3258,7 @@
           <a:p>
             <a:fld id="{0F50C555-A095-4004-896C-F93A2C2FFF74}" type="datetime1">
               <a:rPr lang="en-US" smtClean="0"/>
-              <a:t>12/1/2025</a:t>
+              <a:t>12/3/2025</a:t>
             </a:fld>
             <a:endParaRPr lang="en-US"/>
           </a:p>
@@ -3690,7 +3692,7 @@
           <a:p>
             <a:fld id="{E26A4AA7-F24F-4C86-A294-9EEE76562DCF}" type="datetime1">
               <a:rPr lang="en-US" smtClean="0"/>
-              <a:t>12/1/2025</a:t>
+              <a:t>12/3/2025</a:t>
             </a:fld>
             <a:endParaRPr lang="en-US"/>
           </a:p>
@@ -3960,7 +3962,7 @@
           <a:p>
             <a:fld id="{7690F569-7858-4DA0-90EC-1AB4E27FD370}" type="datetime1">
               <a:rPr lang="en-US" smtClean="0"/>
-              <a:t>12/1/2025</a:t>
+              <a:t>12/3/2025</a:t>
             </a:fld>
             <a:endParaRPr lang="en-US"/>
           </a:p>
@@ -4135,7 +4137,7 @@
           <a:p>
             <a:fld id="{7117D2F3-C4A3-4E01-A15B-F44AEB66B5E3}" type="datetime1">
               <a:rPr lang="en-US" smtClean="0"/>
-              <a:t>12/1/2025</a:t>
+              <a:t>12/3/2025</a:t>
             </a:fld>
             <a:endParaRPr lang="en-US"/>
           </a:p>
@@ -4514,7 +4516,7 @@
           <a:p>
             <a:fld id="{B82678A5-AC0E-46A7-AB93-36A408E5A84E}" type="datetime1">
               <a:rPr lang="en-US" smtClean="0"/>
-              <a:t>12/1/2025</a:t>
+              <a:t>12/3/2025</a:t>
             </a:fld>
             <a:endParaRPr lang="en-US"/>
           </a:p>
@@ -4804,7 +4806,7 @@
           <a:p>
             <a:fld id="{80D52A17-2609-472D-A24A-46A4009C4779}" type="datetime1">
               <a:rPr lang="en-US" smtClean="0"/>
-              <a:t>12/1/2025</a:t>
+              <a:t>12/3/2025</a:t>
             </a:fld>
             <a:endParaRPr lang="en-US"/>
           </a:p>
@@ -5071,7 +5073,7 @@
           <a:p>
             <a:fld id="{82FAB35A-6815-4F8C-BA27-6EA423ADD2B6}" type="datetime1">
               <a:rPr lang="en-US" smtClean="0"/>
-              <a:t>12/1/2025</a:t>
+              <a:t>12/3/2025</a:t>
             </a:fld>
             <a:endParaRPr lang="en-US"/>
           </a:p>
@@ -5254,7 +5256,7 @@
           <a:p>
             <a:fld id="{90AB1452-B787-4BDA-8B46-09E07DDAE836}" type="datetime1">
               <a:rPr lang="en-US" smtClean="0"/>
-              <a:t>12/1/2025</a:t>
+              <a:t>12/3/2025</a:t>
             </a:fld>
             <a:endParaRPr lang="en-US"/>
           </a:p>
@@ -5447,7 +5449,7 @@
           <a:p>
             <a:fld id="{8975263F-335F-4E4F-89FF-FFC4C60B48BD}" type="datetime1">
               <a:rPr lang="en-US" smtClean="0"/>
-              <a:t>12/1/2025</a:t>
+              <a:t>12/3/2025</a:t>
             </a:fld>
             <a:endParaRPr lang="en-US"/>
           </a:p>
@@ -6792,7 +6794,7 @@
           <a:p>
             <a:fld id="{28ABF4A2-3C6A-4F75-888A-07ED3E036AE1}" type="datetime1">
               <a:rPr lang="en-US" smtClean="0"/>
-              <a:t>12/1/2025</a:t>
+              <a:t>12/3/2025</a:t>
             </a:fld>
             <a:endParaRPr lang="en-US"/>
           </a:p>
@@ -9431,7 +9433,7 @@
           <a:p>
             <a:fld id="{5092D6C1-3F2F-45EB-987A-C333A3F63A61}" type="datetime1">
               <a:rPr lang="en-US" smtClean="0"/>
-              <a:t>12/1/2025</a:t>
+              <a:t>12/3/2025</a:t>
             </a:fld>
             <a:endParaRPr lang="en-US"/>
           </a:p>
@@ -9865,7 +9867,7 @@
           <a:p>
             <a:fld id="{E4B35BAD-EFF8-4C7A-B0DF-BCD8E1EDD234}" type="datetime1">
               <a:rPr lang="en-US" smtClean="0"/>
-              <a:t>12/1/2025</a:t>
+              <a:t>12/3/2025</a:t>
             </a:fld>
             <a:endParaRPr lang="en-US"/>
           </a:p>
@@ -9975,7 +9977,7 @@
           <a:p>
             <a:fld id="{FAB0EC59-39C3-490C-989D-62C2812C1A9B}" type="datetime1">
               <a:rPr lang="en-US" smtClean="0"/>
-              <a:t>12/1/2025</a:t>
+              <a:t>12/3/2025</a:t>
             </a:fld>
             <a:endParaRPr lang="en-US"/>
           </a:p>
@@ -10354,7 +10356,7 @@
           <a:p>
             <a:fld id="{712E7A03-E2FE-4721-9011-4149F834CB0D}" type="datetime1">
               <a:rPr lang="en-US" smtClean="0"/>
-              <a:t>12/1/2025</a:t>
+              <a:t>12/3/2025</a:t>
             </a:fld>
             <a:endParaRPr lang="en-US"/>
           </a:p>
@@ -10644,7 +10646,7 @@
           <a:p>
             <a:fld id="{947EA484-BC91-49D0-8F8D-18D3315E6030}" type="datetime1">
               <a:rPr lang="en-US" smtClean="0"/>
-              <a:t>12/1/2025</a:t>
+              <a:t>12/3/2025</a:t>
             </a:fld>
             <a:endParaRPr lang="en-US"/>
           </a:p>
@@ -10911,7 +10913,7 @@
           <a:p>
             <a:fld id="{3ABA5B53-1F78-4F01-ABED-88EEBD7C407E}" type="datetime1">
               <a:rPr lang="en-US" smtClean="0"/>
-              <a:t>12/1/2025</a:t>
+              <a:t>12/3/2025</a:t>
             </a:fld>
             <a:endParaRPr lang="en-US"/>
           </a:p>
@@ -11140,7 +11142,7 @@
           <a:p>
             <a:fld id="{C279EB43-FFAC-41DE-A59C-D6CB37219A4E}" type="datetime1">
               <a:rPr lang="en-US" smtClean="0"/>
-              <a:t>12/1/2025</a:t>
+              <a:t>12/3/2025</a:t>
             </a:fld>
             <a:endParaRPr lang="en-US"/>
           </a:p>
@@ -11670,7 +11672,7 @@
           <a:p>
             <a:fld id="{25315CBC-2209-45C5-89CB-A658839648C8}" type="datetime1">
               <a:rPr lang="en-US" smtClean="0"/>
-              <a:t>12/1/2025</a:t>
+              <a:t>12/3/2025</a:t>
             </a:fld>
             <a:endParaRPr lang="en-US"/>
           </a:p>
@@ -15025,21 +15027,21 @@
               <a:t>trường</a:t>
             </a:r>
             <a:r>
-              <a:rPr lang="en-US" dirty="0">
+              <a:rPr lang="en-US">
                 <a:latin typeface="Segoe UI"/>
                 <a:cs typeface="Segoe UI"/>
               </a:rPr>
               <a:t>: </a:t>
             </a:r>
             <a:r>
-              <a:rPr lang="vi-VN" b="1" dirty="0">
-                <a:latin typeface="Segoe UI"/>
-                <a:cs typeface="Segoe UI"/>
-              </a:rPr>
-              <a:t>15</a:t>
-            </a:r>
-            <a:r>
-              <a:rPr lang="en-US" b="1" dirty="0">
+              <a:rPr lang="vi-VN" b="1">
+                <a:latin typeface="Segoe UI"/>
+                <a:cs typeface="Segoe UI"/>
+              </a:rPr>
+              <a:t>16</a:t>
+            </a:r>
+            <a:r>
+              <a:rPr lang="en-US" b="1">
                 <a:latin typeface="Segoe UI"/>
                 <a:cs typeface="Segoe UI"/>
               </a:rPr>
@@ -17031,7 +17033,7 @@
       </p:sp>
       <p:pic>
         <p:nvPicPr>
-          <p:cNvPr id="7" name="Picture 6">
+          <p:cNvPr id="5" name="Picture 4">
             <a:extLst>
               <a:ext uri="{FF2B5EF4-FFF2-40B4-BE49-F238E27FC236}">
                 <a16:creationId xmlns:a16="http://schemas.microsoft.com/office/drawing/2014/main" id="{C8A66B6E-0D6A-E447-8D0C-F9F103E42887}"/>
@@ -22165,12 +22167,39 @@
           <a:p>
             <a:pPr lvl="1"/>
             <a:r>
-              <a:rPr lang="en-US" err="1"/>
-              <a:t>Biểu</a:t>
+              <a:rPr lang="vi-VN"/>
+              <a:t>B</a:t>
             </a:r>
             <a:r>
               <a:rPr lang="en-US"/>
-              <a:t> </a:t>
+              <a:t>iểu đồ cột (Column </a:t>
+            </a:r>
+            <a:r>
+              <a:rPr lang="vi-VN"/>
+              <a:t>chart)</a:t>
+            </a:r>
+          </a:p>
+          <a:p>
+            <a:pPr lvl="1"/>
+            <a:r>
+              <a:rPr lang="en-US"/>
+              <a:t>Biểu đồ thanh (Bar chart)</a:t>
+            </a:r>
+            <a:endParaRPr lang="vi-VN"/>
+          </a:p>
+          <a:p>
+            <a:pPr lvl="1"/>
+            <a:r>
+              <a:rPr lang="en-US"/>
+              <a:t>Biểu đồ vùng (Area chart)</a:t>
+            </a:r>
+            <a:endParaRPr lang="vi-VN"/>
+          </a:p>
+          <a:p>
+            <a:pPr lvl="1"/>
+            <a:r>
+              <a:rPr lang="en-US"/>
+              <a:t>Biểu </a:t>
             </a:r>
             <a:r>
               <a:rPr lang="en-US" err="1"/>
@@ -22181,56 +22210,12 @@
               <a:t> </a:t>
             </a:r>
             <a:r>
-              <a:rPr lang="en-US" err="1"/>
-              <a:t>cột</a:t>
-            </a:r>
-            <a:endParaRPr lang="en-US" sz="2000"/>
-          </a:p>
-          <a:p>
-            <a:pPr lvl="1"/>
-            <a:r>
-              <a:rPr lang="en-US" err="1"/>
-              <a:t>Biểu</a:t>
+              <a:rPr lang="vi-VN"/>
+              <a:t>tán xạ </a:t>
             </a:r>
             <a:r>
               <a:rPr lang="en-US"/>
-              <a:t> </a:t>
-            </a:r>
-            <a:r>
-              <a:rPr lang="en-US" err="1"/>
-              <a:t>đồ</a:t>
-            </a:r>
-            <a:r>
-              <a:rPr lang="en-US"/>
-              <a:t> </a:t>
-            </a:r>
-            <a:r>
-              <a:rPr lang="en-US" err="1"/>
-              <a:t>thanh</a:t>
-            </a:r>
-            <a:r>
-              <a:rPr lang="en-US"/>
-              <a:t> (Bar chart)</a:t>
-            </a:r>
-            <a:endParaRPr lang="en-US" sz="2000"/>
-          </a:p>
-          <a:p>
-            <a:pPr lvl="1"/>
-            <a:r>
-              <a:rPr lang="en-US" err="1"/>
-              <a:t>Biểu</a:t>
-            </a:r>
-            <a:r>
-              <a:rPr lang="en-US"/>
-              <a:t> </a:t>
-            </a:r>
-            <a:r>
-              <a:rPr lang="en-US" err="1"/>
-              <a:t>đồ</a:t>
-            </a:r>
-            <a:r>
-              <a:rPr lang="en-US"/>
-              <a:t> Scatter Plot</a:t>
+              <a:t>Scatter Plot</a:t>
             </a:r>
             <a:endParaRPr lang="en-US" sz="2000">
               <a:effectLst>
@@ -22260,6 +22245,10 @@
               <a:rPr lang="en-US"/>
               <a:t> Donut</a:t>
             </a:r>
+            <a:endParaRPr lang="vi-VN"/>
+          </a:p>
+          <a:p>
+            <a:pPr lvl="1"/>
             <a:endParaRPr lang="en-US" sz="2000"/>
           </a:p>
           <a:p>
@@ -28496,6 +28485,177 @@
   <p:cSld>
     <p:spTree>
       <p:nvGrpSpPr>
+        <p:cNvPr id="1" name="">
+          <a:extLst>
+            <a:ext uri="{FF2B5EF4-FFF2-40B4-BE49-F238E27FC236}">
+              <a16:creationId xmlns:a16="http://schemas.microsoft.com/office/drawing/2014/main" id="{60189F65-C9F1-DDFF-3E8F-EA68F6136490}"/>
+            </a:ext>
+          </a:extLst>
+        </p:cNvPr>
+        <p:cNvGrpSpPr/>
+        <p:nvPr/>
+      </p:nvGrpSpPr>
+      <p:grpSpPr>
+        <a:xfrm>
+          <a:off x="0" y="0"/>
+          <a:ext cx="0" cy="0"/>
+          <a:chOff x="0" y="0"/>
+          <a:chExt cx="0" cy="0"/>
+        </a:xfrm>
+      </p:grpSpPr>
+      <p:sp>
+        <p:nvSpPr>
+          <p:cNvPr id="2" name="Title 1">
+            <a:extLst>
+              <a:ext uri="{FF2B5EF4-FFF2-40B4-BE49-F238E27FC236}">
+                <a16:creationId xmlns:a16="http://schemas.microsoft.com/office/drawing/2014/main" id="{970F4A3C-1419-F935-F10D-D7F672AFBA07}"/>
+              </a:ext>
+            </a:extLst>
+          </p:cNvPr>
+          <p:cNvSpPr>
+            <a:spLocks noGrp="1"/>
+          </p:cNvSpPr>
+          <p:nvPr>
+            <p:ph type="title"/>
+          </p:nvPr>
+        </p:nvSpPr>
+        <p:spPr/>
+        <p:txBody>
+          <a:bodyPr/>
+          <a:lstStyle/>
+          <a:p>
+            <a:r>
+              <a:rPr lang="en-US"/>
+              <a:t>Sản phẩm thực tế</a:t>
+            </a:r>
+          </a:p>
+        </p:txBody>
+      </p:sp>
+      <p:sp>
+        <p:nvSpPr>
+          <p:cNvPr id="5" name="Footer Placeholder 4">
+            <a:extLst>
+              <a:ext uri="{FF2B5EF4-FFF2-40B4-BE49-F238E27FC236}">
+                <a16:creationId xmlns:a16="http://schemas.microsoft.com/office/drawing/2014/main" id="{16CE02B7-4CFB-1312-C3C0-D9071618B373}"/>
+              </a:ext>
+            </a:extLst>
+          </p:cNvPr>
+          <p:cNvSpPr>
+            <a:spLocks noGrp="1"/>
+          </p:cNvSpPr>
+          <p:nvPr>
+            <p:ph type="ftr" sz="quarter" idx="11"/>
+          </p:nvPr>
+        </p:nvSpPr>
+        <p:spPr/>
+        <p:txBody>
+          <a:bodyPr/>
+          <a:lstStyle/>
+          <a:p>
+            <a:r>
+              <a:rPr lang="en-US" dirty="0"/>
+              <a:t>&lt;&lt;</a:t>
+            </a:r>
+            <a:r>
+              <a:rPr lang="vi-VN" dirty="0"/>
+              <a:t>Phân tích thói quen dùng MXH</a:t>
+            </a:r>
+            <a:r>
+              <a:rPr lang="en-US" dirty="0"/>
+              <a:t>&gt;&gt;</a:t>
+            </a:r>
+          </a:p>
+        </p:txBody>
+      </p:sp>
+      <p:sp>
+        <p:nvSpPr>
+          <p:cNvPr id="6" name="Slide Number Placeholder 5">
+            <a:extLst>
+              <a:ext uri="{FF2B5EF4-FFF2-40B4-BE49-F238E27FC236}">
+                <a16:creationId xmlns:a16="http://schemas.microsoft.com/office/drawing/2014/main" id="{BE629088-FE4D-BD01-5C6B-A4E086AE6BDE}"/>
+              </a:ext>
+            </a:extLst>
+          </p:cNvPr>
+          <p:cNvSpPr>
+            <a:spLocks noGrp="1"/>
+          </p:cNvSpPr>
+          <p:nvPr>
+            <p:ph type="sldNum" sz="quarter" idx="12"/>
+          </p:nvPr>
+        </p:nvSpPr>
+        <p:spPr/>
+        <p:txBody>
+          <a:bodyPr/>
+          <a:lstStyle/>
+          <a:p>
+            <a:fld id="{8AACEE26-D979-411F-B229-D9F26BAEDF07}" type="slidenum">
+              <a:rPr lang="en-US" smtClean="0"/>
+              <a:t>26</a:t>
+            </a:fld>
+            <a:endParaRPr lang="en-US"/>
+          </a:p>
+        </p:txBody>
+      </p:sp>
+      <p:pic>
+        <p:nvPicPr>
+          <p:cNvPr id="3" name="Picture 2">
+            <a:extLst>
+              <a:ext uri="{FF2B5EF4-FFF2-40B4-BE49-F238E27FC236}">
+                <a16:creationId xmlns:a16="http://schemas.microsoft.com/office/drawing/2014/main" id="{73B4F196-0E71-A188-EA4F-68B7AC74588F}"/>
+              </a:ext>
+            </a:extLst>
+          </p:cNvPr>
+          <p:cNvPicPr>
+            <a:picLocks noChangeAspect="1"/>
+          </p:cNvPicPr>
+          <p:nvPr/>
+        </p:nvPicPr>
+        <p:blipFill>
+          <a:blip r:embed="rId2"/>
+          <a:stretch>
+            <a:fillRect/>
+          </a:stretch>
+        </p:blipFill>
+        <p:spPr>
+          <a:xfrm>
+            <a:off x="1319514" y="924451"/>
+            <a:ext cx="9673151" cy="5431900"/>
+          </a:xfrm>
+          <a:prstGeom prst="rect">
+            <a:avLst/>
+          </a:prstGeom>
+        </p:spPr>
+      </p:pic>
+    </p:spTree>
+    <p:extLst>
+      <p:ext uri="{BB962C8B-B14F-4D97-AF65-F5344CB8AC3E}">
+        <p14:creationId xmlns:p14="http://schemas.microsoft.com/office/powerpoint/2010/main" val="645714928"/>
+      </p:ext>
+    </p:extLst>
+  </p:cSld>
+  <p:clrMapOvr>
+    <a:masterClrMapping/>
+  </p:clrMapOvr>
+  <mc:AlternateContent xmlns:mc="http://schemas.openxmlformats.org/markup-compatibility/2006" xmlns:p159="http://schemas.microsoft.com/office/powerpoint/2015/09/main">
+    <mc:Choice Requires="p159">
+      <p:transition xmlns:p14="http://schemas.microsoft.com/office/powerpoint/2010/main" spd="slow" p14:dur="2000">
+        <p159:morph option="byObject"/>
+      </p:transition>
+    </mc:Choice>
+    <mc:Fallback xmlns="">
+      <p:transition spd="slow">
+        <p:fade/>
+      </p:transition>
+    </mc:Fallback>
+  </mc:AlternateContent>
+</p:sld>
+</file>
+
+<file path=ppt/slides/slide27.xml><?xml version="1.0" encoding="utf-8"?>
+<p:sld xmlns:a="http://schemas.openxmlformats.org/drawingml/2006/main" xmlns:r="http://schemas.openxmlformats.org/officeDocument/2006/relationships" xmlns:p="http://schemas.openxmlformats.org/presentationml/2006/main">
+  <p:cSld>
+    <p:spTree>
+      <p:nvGrpSpPr>
         <p:cNvPr id="1" name=""/>
         <p:cNvGrpSpPr/>
         <p:nvPr/>
@@ -28589,7 +28749,7 @@
           <a:p>
             <a:fld id="{8AACEE26-D979-411F-B229-D9F26BAEDF07}" type="slidenum">
               <a:rPr lang="en-US" smtClean="0"/>
-              <a:t>26</a:t>
+              <a:t>27</a:t>
             </a:fld>
             <a:endParaRPr lang="en-US"/>
           </a:p>
@@ -28650,7 +28810,7 @@
 </p:sld>
 </file>
 
-<file path=ppt/slides/slide27.xml><?xml version="1.0" encoding="utf-8"?>
+<file path=ppt/slides/slide28.xml><?xml version="1.0" encoding="utf-8"?>
 <p:sld xmlns:a="http://schemas.openxmlformats.org/drawingml/2006/main" xmlns:r="http://schemas.openxmlformats.org/officeDocument/2006/relationships" xmlns:p="http://schemas.openxmlformats.org/presentationml/2006/main">
   <p:cSld>
     <p:spTree>
@@ -28848,7 +29008,7 @@
           <a:p>
             <a:fld id="{8AACEE26-D979-411F-B229-D9F26BAEDF07}" type="slidenum">
               <a:rPr lang="en-US" smtClean="0"/>
-              <a:t>27</a:t>
+              <a:t>28</a:t>
             </a:fld>
             <a:endParaRPr lang="en-US"/>
           </a:p>
@@ -28879,7 +29039,7 @@
 </p:sld>
 </file>
 
-<file path=ppt/slides/slide28.xml><?xml version="1.0" encoding="utf-8"?>
+<file path=ppt/slides/slide29.xml><?xml version="1.0" encoding="utf-8"?>
 <p:sld xmlns:a="http://schemas.openxmlformats.org/drawingml/2006/main" xmlns:r="http://schemas.openxmlformats.org/officeDocument/2006/relationships" xmlns:p="http://schemas.openxmlformats.org/presentationml/2006/main">
   <p:cSld>
     <p:spTree>
@@ -29124,7 +29284,7 @@
           <a:p>
             <a:fld id="{8AACEE26-D979-411F-B229-D9F26BAEDF07}" type="slidenum">
               <a:rPr lang="en-US" smtClean="0"/>
-              <a:t>28</a:t>
+              <a:t>29</a:t>
             </a:fld>
             <a:endParaRPr lang="en-US"/>
           </a:p>
@@ -29134,235 +29294,6 @@
     <p:extLst>
       <p:ext uri="{BB962C8B-B14F-4D97-AF65-F5344CB8AC3E}">
         <p14:creationId xmlns:p14="http://schemas.microsoft.com/office/powerpoint/2010/main" val="3757695769"/>
-      </p:ext>
-    </p:extLst>
-  </p:cSld>
-  <p:clrMapOvr>
-    <a:masterClrMapping/>
-  </p:clrMapOvr>
-  <mc:AlternateContent xmlns:mc="http://schemas.openxmlformats.org/markup-compatibility/2006" xmlns:p159="http://schemas.microsoft.com/office/powerpoint/2015/09/main">
-    <mc:Choice Requires="p159">
-      <p:transition xmlns:p14="http://schemas.microsoft.com/office/powerpoint/2010/main" spd="slow" p14:dur="2000">
-        <p159:morph option="byObject"/>
-      </p:transition>
-    </mc:Choice>
-    <mc:Fallback xmlns="">
-      <p:transition spd="slow">
-        <p:fade/>
-      </p:transition>
-    </mc:Fallback>
-  </mc:AlternateContent>
-</p:sld>
-</file>
-
-<file path=ppt/slides/slide29.xml><?xml version="1.0" encoding="utf-8"?>
-<p:sld xmlns:a="http://schemas.openxmlformats.org/drawingml/2006/main" xmlns:r="http://schemas.openxmlformats.org/officeDocument/2006/relationships" xmlns:p="http://schemas.openxmlformats.org/presentationml/2006/main">
-  <p:cSld>
-    <p:spTree>
-      <p:nvGrpSpPr>
-        <p:cNvPr id="1" name=""/>
-        <p:cNvGrpSpPr/>
-        <p:nvPr/>
-      </p:nvGrpSpPr>
-      <p:grpSpPr>
-        <a:xfrm>
-          <a:off x="0" y="0"/>
-          <a:ext cx="0" cy="0"/>
-          <a:chOff x="0" y="0"/>
-          <a:chExt cx="0" cy="0"/>
-        </a:xfrm>
-      </p:grpSpPr>
-      <p:sp>
-        <p:nvSpPr>
-          <p:cNvPr id="4" name="Rectangle 3"/>
-          <p:cNvSpPr/>
-          <p:nvPr/>
-        </p:nvSpPr>
-        <p:spPr>
-          <a:xfrm>
-            <a:off x="4724400" y="2962870"/>
-            <a:ext cx="1880643" cy="923330"/>
-          </a:xfrm>
-          <a:prstGeom prst="rect">
-            <a:avLst/>
-          </a:prstGeom>
-          <a:noFill/>
-        </p:spPr>
-        <p:txBody>
-          <a:bodyPr wrap="none" lIns="91440" tIns="45720" rIns="91440" bIns="45720">
-            <a:spAutoFit/>
-            <a:scene3d>
-              <a:camera prst="orthographicFront"/>
-              <a:lightRig rig="glow" dir="tl">
-                <a:rot lat="0" lon="0" rev="5400000"/>
-              </a:lightRig>
-            </a:scene3d>
-            <a:sp3d contourW="12700">
-              <a:bevelT w="25400" h="25400"/>
-              <a:contourClr>
-                <a:schemeClr val="accent6">
-                  <a:shade val="73000"/>
-                </a:schemeClr>
-              </a:contourClr>
-            </a:sp3d>
-          </a:bodyPr>
-          <a:lstStyle/>
-          <a:p>
-            <a:r>
-              <a:rPr lang="en-US" sz="5400" b="1" cap="small">
-                <a:ln w="11430"/>
-                <a:gradFill>
-                  <a:gsLst>
-                    <a:gs pos="0">
-                      <a:schemeClr val="accent6">
-                        <a:tint val="90000"/>
-                        <a:satMod val="120000"/>
-                      </a:schemeClr>
-                    </a:gs>
-                    <a:gs pos="25000">
-                      <a:schemeClr val="accent6">
-                        <a:tint val="93000"/>
-                        <a:satMod val="120000"/>
-                      </a:schemeClr>
-                    </a:gs>
-                    <a:gs pos="50000">
-                      <a:schemeClr val="accent6">
-                        <a:shade val="89000"/>
-                        <a:satMod val="110000"/>
-                      </a:schemeClr>
-                    </a:gs>
-                    <a:gs pos="75000">
-                      <a:schemeClr val="accent6">
-                        <a:tint val="93000"/>
-                        <a:satMod val="120000"/>
-                      </a:schemeClr>
-                    </a:gs>
-                    <a:gs pos="100000">
-                      <a:schemeClr val="accent6">
-                        <a:tint val="90000"/>
-                        <a:satMod val="120000"/>
-                      </a:schemeClr>
-                    </a:gs>
-                  </a:gsLst>
-                  <a:lin ang="5400000"/>
-                </a:gradFill>
-                <a:effectLst>
-                  <a:outerShdw blurRad="80000" dist="40000" dir="5040000" algn="tl">
-                    <a:srgbClr val="000000">
-                      <a:alpha val="30000"/>
-                    </a:srgbClr>
-                  </a:outerShdw>
-                </a:effectLst>
-              </a:rPr>
-              <a:t>Q &amp; A</a:t>
-            </a:r>
-          </a:p>
-        </p:txBody>
-      </p:sp>
-      <p:cxnSp>
-        <p:nvCxnSpPr>
-          <p:cNvPr id="3" name="Straight Connector 2"/>
-          <p:cNvCxnSpPr/>
-          <p:nvPr/>
-        </p:nvCxnSpPr>
-        <p:spPr>
-          <a:xfrm>
-            <a:off x="762000" y="3886200"/>
-            <a:ext cx="10744200" cy="0"/>
-          </a:xfrm>
-          <a:prstGeom prst="line">
-            <a:avLst/>
-          </a:prstGeom>
-          <a:ln w="76200" cmpd="thinThick">
-            <a:solidFill>
-              <a:srgbClr val="FF0000"/>
-            </a:solidFill>
-          </a:ln>
-        </p:spPr>
-        <p:style>
-          <a:lnRef idx="1">
-            <a:schemeClr val="accent1"/>
-          </a:lnRef>
-          <a:fillRef idx="0">
-            <a:schemeClr val="accent1"/>
-          </a:fillRef>
-          <a:effectRef idx="0">
-            <a:schemeClr val="accent1"/>
-          </a:effectRef>
-          <a:fontRef idx="minor">
-            <a:schemeClr val="tx1"/>
-          </a:fontRef>
-        </p:style>
-      </p:cxnSp>
-      <p:sp>
-        <p:nvSpPr>
-          <p:cNvPr id="2" name="Footer Placeholder 1">
-            <a:extLst>
-              <a:ext uri="{FF2B5EF4-FFF2-40B4-BE49-F238E27FC236}">
-                <a16:creationId xmlns:a16="http://schemas.microsoft.com/office/drawing/2014/main" id="{1B4E379A-8AC7-9499-85BB-9036108074B5}"/>
-              </a:ext>
-            </a:extLst>
-          </p:cNvPr>
-          <p:cNvSpPr>
-            <a:spLocks noGrp="1"/>
-          </p:cNvSpPr>
-          <p:nvPr>
-            <p:ph type="ftr" sz="quarter" idx="11"/>
-          </p:nvPr>
-        </p:nvSpPr>
-        <p:spPr/>
-        <p:txBody>
-          <a:bodyPr/>
-          <a:lstStyle/>
-          <a:p>
-            <a:r>
-              <a:rPr lang="en-US" dirty="0"/>
-              <a:t>&lt;&lt;</a:t>
-            </a:r>
-            <a:r>
-              <a:rPr lang="vi-VN" dirty="0"/>
-              <a:t>Phân tích thói quen dùng MXH</a:t>
-            </a:r>
-            <a:r>
-              <a:rPr lang="en-US" dirty="0"/>
-              <a:t>&gt;&gt;</a:t>
-            </a:r>
-          </a:p>
-        </p:txBody>
-      </p:sp>
-      <p:sp>
-        <p:nvSpPr>
-          <p:cNvPr id="5" name="Slide Number Placeholder 4">
-            <a:extLst>
-              <a:ext uri="{FF2B5EF4-FFF2-40B4-BE49-F238E27FC236}">
-                <a16:creationId xmlns:a16="http://schemas.microsoft.com/office/drawing/2014/main" id="{26F8A2BF-94E7-1B65-3708-9942E5F47854}"/>
-              </a:ext>
-            </a:extLst>
-          </p:cNvPr>
-          <p:cNvSpPr>
-            <a:spLocks noGrp="1"/>
-          </p:cNvSpPr>
-          <p:nvPr>
-            <p:ph type="sldNum" sz="quarter" idx="12"/>
-          </p:nvPr>
-        </p:nvSpPr>
-        <p:spPr/>
-        <p:txBody>
-          <a:bodyPr/>
-          <a:lstStyle/>
-          <a:p>
-            <a:fld id="{8AACEE26-D979-411F-B229-D9F26BAEDF07}" type="slidenum">
-              <a:rPr lang="en-US" smtClean="0"/>
-              <a:t>29</a:t>
-            </a:fld>
-            <a:endParaRPr lang="en-US"/>
-          </a:p>
-        </p:txBody>
-      </p:sp>
-    </p:spTree>
-    <p:extLst>
-      <p:ext uri="{BB962C8B-B14F-4D97-AF65-F5344CB8AC3E}">
-        <p14:creationId xmlns:p14="http://schemas.microsoft.com/office/powerpoint/2010/main" val="3891686145"/>
       </p:ext>
     </p:extLst>
   </p:cSld>
@@ -29638,6 +29569,235 @@
         </p:nvSpPr>
         <p:spPr>
           <a:xfrm>
+            <a:off x="4724400" y="2962870"/>
+            <a:ext cx="1880643" cy="923330"/>
+          </a:xfrm>
+          <a:prstGeom prst="rect">
+            <a:avLst/>
+          </a:prstGeom>
+          <a:noFill/>
+        </p:spPr>
+        <p:txBody>
+          <a:bodyPr wrap="none" lIns="91440" tIns="45720" rIns="91440" bIns="45720">
+            <a:spAutoFit/>
+            <a:scene3d>
+              <a:camera prst="orthographicFront"/>
+              <a:lightRig rig="glow" dir="tl">
+                <a:rot lat="0" lon="0" rev="5400000"/>
+              </a:lightRig>
+            </a:scene3d>
+            <a:sp3d contourW="12700">
+              <a:bevelT w="25400" h="25400"/>
+              <a:contourClr>
+                <a:schemeClr val="accent6">
+                  <a:shade val="73000"/>
+                </a:schemeClr>
+              </a:contourClr>
+            </a:sp3d>
+          </a:bodyPr>
+          <a:lstStyle/>
+          <a:p>
+            <a:r>
+              <a:rPr lang="en-US" sz="5400" b="1" cap="small">
+                <a:ln w="11430"/>
+                <a:gradFill>
+                  <a:gsLst>
+                    <a:gs pos="0">
+                      <a:schemeClr val="accent6">
+                        <a:tint val="90000"/>
+                        <a:satMod val="120000"/>
+                      </a:schemeClr>
+                    </a:gs>
+                    <a:gs pos="25000">
+                      <a:schemeClr val="accent6">
+                        <a:tint val="93000"/>
+                        <a:satMod val="120000"/>
+                      </a:schemeClr>
+                    </a:gs>
+                    <a:gs pos="50000">
+                      <a:schemeClr val="accent6">
+                        <a:shade val="89000"/>
+                        <a:satMod val="110000"/>
+                      </a:schemeClr>
+                    </a:gs>
+                    <a:gs pos="75000">
+                      <a:schemeClr val="accent6">
+                        <a:tint val="93000"/>
+                        <a:satMod val="120000"/>
+                      </a:schemeClr>
+                    </a:gs>
+                    <a:gs pos="100000">
+                      <a:schemeClr val="accent6">
+                        <a:tint val="90000"/>
+                        <a:satMod val="120000"/>
+                      </a:schemeClr>
+                    </a:gs>
+                  </a:gsLst>
+                  <a:lin ang="5400000"/>
+                </a:gradFill>
+                <a:effectLst>
+                  <a:outerShdw blurRad="80000" dist="40000" dir="5040000" algn="tl">
+                    <a:srgbClr val="000000">
+                      <a:alpha val="30000"/>
+                    </a:srgbClr>
+                  </a:outerShdw>
+                </a:effectLst>
+              </a:rPr>
+              <a:t>Q &amp; A</a:t>
+            </a:r>
+          </a:p>
+        </p:txBody>
+      </p:sp>
+      <p:cxnSp>
+        <p:nvCxnSpPr>
+          <p:cNvPr id="3" name="Straight Connector 2"/>
+          <p:cNvCxnSpPr/>
+          <p:nvPr/>
+        </p:nvCxnSpPr>
+        <p:spPr>
+          <a:xfrm>
+            <a:off x="762000" y="3886200"/>
+            <a:ext cx="10744200" cy="0"/>
+          </a:xfrm>
+          <a:prstGeom prst="line">
+            <a:avLst/>
+          </a:prstGeom>
+          <a:ln w="76200" cmpd="thinThick">
+            <a:solidFill>
+              <a:srgbClr val="FF0000"/>
+            </a:solidFill>
+          </a:ln>
+        </p:spPr>
+        <p:style>
+          <a:lnRef idx="1">
+            <a:schemeClr val="accent1"/>
+          </a:lnRef>
+          <a:fillRef idx="0">
+            <a:schemeClr val="accent1"/>
+          </a:fillRef>
+          <a:effectRef idx="0">
+            <a:schemeClr val="accent1"/>
+          </a:effectRef>
+          <a:fontRef idx="minor">
+            <a:schemeClr val="tx1"/>
+          </a:fontRef>
+        </p:style>
+      </p:cxnSp>
+      <p:sp>
+        <p:nvSpPr>
+          <p:cNvPr id="2" name="Footer Placeholder 1">
+            <a:extLst>
+              <a:ext uri="{FF2B5EF4-FFF2-40B4-BE49-F238E27FC236}">
+                <a16:creationId xmlns:a16="http://schemas.microsoft.com/office/drawing/2014/main" id="{1B4E379A-8AC7-9499-85BB-9036108074B5}"/>
+              </a:ext>
+            </a:extLst>
+          </p:cNvPr>
+          <p:cNvSpPr>
+            <a:spLocks noGrp="1"/>
+          </p:cNvSpPr>
+          <p:nvPr>
+            <p:ph type="ftr" sz="quarter" idx="11"/>
+          </p:nvPr>
+        </p:nvSpPr>
+        <p:spPr/>
+        <p:txBody>
+          <a:bodyPr/>
+          <a:lstStyle/>
+          <a:p>
+            <a:r>
+              <a:rPr lang="en-US" dirty="0"/>
+              <a:t>&lt;&lt;</a:t>
+            </a:r>
+            <a:r>
+              <a:rPr lang="vi-VN" dirty="0"/>
+              <a:t>Phân tích thói quen dùng MXH</a:t>
+            </a:r>
+            <a:r>
+              <a:rPr lang="en-US" dirty="0"/>
+              <a:t>&gt;&gt;</a:t>
+            </a:r>
+          </a:p>
+        </p:txBody>
+      </p:sp>
+      <p:sp>
+        <p:nvSpPr>
+          <p:cNvPr id="5" name="Slide Number Placeholder 4">
+            <a:extLst>
+              <a:ext uri="{FF2B5EF4-FFF2-40B4-BE49-F238E27FC236}">
+                <a16:creationId xmlns:a16="http://schemas.microsoft.com/office/drawing/2014/main" id="{26F8A2BF-94E7-1B65-3708-9942E5F47854}"/>
+              </a:ext>
+            </a:extLst>
+          </p:cNvPr>
+          <p:cNvSpPr>
+            <a:spLocks noGrp="1"/>
+          </p:cNvSpPr>
+          <p:nvPr>
+            <p:ph type="sldNum" sz="quarter" idx="12"/>
+          </p:nvPr>
+        </p:nvSpPr>
+        <p:spPr/>
+        <p:txBody>
+          <a:bodyPr/>
+          <a:lstStyle/>
+          <a:p>
+            <a:fld id="{8AACEE26-D979-411F-B229-D9F26BAEDF07}" type="slidenum">
+              <a:rPr lang="en-US" smtClean="0"/>
+              <a:t>30</a:t>
+            </a:fld>
+            <a:endParaRPr lang="en-US"/>
+          </a:p>
+        </p:txBody>
+      </p:sp>
+    </p:spTree>
+    <p:extLst>
+      <p:ext uri="{BB962C8B-B14F-4D97-AF65-F5344CB8AC3E}">
+        <p14:creationId xmlns:p14="http://schemas.microsoft.com/office/powerpoint/2010/main" val="3891686145"/>
+      </p:ext>
+    </p:extLst>
+  </p:cSld>
+  <p:clrMapOvr>
+    <a:masterClrMapping/>
+  </p:clrMapOvr>
+  <mc:AlternateContent xmlns:mc="http://schemas.openxmlformats.org/markup-compatibility/2006" xmlns:p159="http://schemas.microsoft.com/office/powerpoint/2015/09/main">
+    <mc:Choice Requires="p159">
+      <p:transition xmlns:p14="http://schemas.microsoft.com/office/powerpoint/2010/main" spd="slow" p14:dur="2000">
+        <p159:morph option="byObject"/>
+      </p:transition>
+    </mc:Choice>
+    <mc:Fallback xmlns="">
+      <p:transition spd="slow">
+        <p:fade/>
+      </p:transition>
+    </mc:Fallback>
+  </mc:AlternateContent>
+</p:sld>
+</file>
+
+<file path=ppt/slides/slide31.xml><?xml version="1.0" encoding="utf-8"?>
+<p:sld xmlns:a="http://schemas.openxmlformats.org/drawingml/2006/main" xmlns:r="http://schemas.openxmlformats.org/officeDocument/2006/relationships" xmlns:p="http://schemas.openxmlformats.org/presentationml/2006/main">
+  <p:cSld>
+    <p:spTree>
+      <p:nvGrpSpPr>
+        <p:cNvPr id="1" name=""/>
+        <p:cNvGrpSpPr/>
+        <p:nvPr/>
+      </p:nvGrpSpPr>
+      <p:grpSpPr>
+        <a:xfrm>
+          <a:off x="0" y="0"/>
+          <a:ext cx="0" cy="0"/>
+          <a:chOff x="0" y="0"/>
+          <a:chExt cx="0" cy="0"/>
+        </a:xfrm>
+      </p:grpSpPr>
+      <p:sp>
+        <p:nvSpPr>
+          <p:cNvPr id="4" name="Rectangle 3"/>
+          <p:cNvSpPr/>
+          <p:nvPr/>
+        </p:nvSpPr>
+        <p:spPr>
+          <a:xfrm>
             <a:off x="4267200" y="2971800"/>
             <a:ext cx="3108159" cy="923330"/>
           </a:xfrm>
@@ -29812,7 +29972,7 @@
           <a:p>
             <a:fld id="{8AACEE26-D979-411F-B229-D9F26BAEDF07}" type="slidenum">
               <a:rPr lang="en-US" smtClean="0"/>
-              <a:t>30</a:t>
+              <a:t>31</a:t>
             </a:fld>
             <a:endParaRPr lang="en-US"/>
           </a:p>
